--- a/HomeWork2/presentation.pptx
+++ b/HomeWork2/presentation.pptx
@@ -5,10 +5,10 @@
     <p:sldMasterId id="2147483660" r:id="rId1"/>
   </p:sldMasterIdLst>
   <p:notesMasterIdLst>
-    <p:notesMasterId r:id="rId15"/>
+    <p:notesMasterId r:id="rId16"/>
   </p:notesMasterIdLst>
   <p:handoutMasterIdLst>
-    <p:handoutMasterId r:id="rId16"/>
+    <p:handoutMasterId r:id="rId17"/>
   </p:handoutMasterIdLst>
   <p:sldIdLst>
     <p:sldId id="257" r:id="rId2"/>
@@ -24,6 +24,7 @@
     <p:sldId id="269" r:id="rId12"/>
     <p:sldId id="278" r:id="rId13"/>
     <p:sldId id="270" r:id="rId14"/>
+    <p:sldId id="279" r:id="rId15"/>
   </p:sldIdLst>
   <p:sldSz cx="12192000" cy="6858000"/>
   <p:notesSz cx="6858000" cy="9144000"/>
@@ -232,7 +233,7 @@
           <a:p>
             <a:fld id="{737E046C-8AF1-4EF6-B193-17DC4BBE877C}" type="datetimeFigureOut">
               <a:rPr lang="ru-RU" smtClean="0"/>
-              <a:t>14.05.25</a:t>
+              <a:t>14.05.2025</a:t>
             </a:fld>
             <a:endParaRPr lang="ru-RU"/>
           </a:p>
@@ -410,7 +411,7 @@
           <a:p>
             <a:fld id="{504AC6E9-DF3B-4A07-94CD-2D5364A96549}" type="datetimeFigureOut">
               <a:rPr lang="ru-RU" smtClean="0"/>
-              <a:t>14.05.25</a:t>
+              <a:t>14.05.2025</a:t>
             </a:fld>
             <a:endParaRPr lang="ru-RU"/>
           </a:p>
@@ -4874,8 +4875,8 @@
         </p:nvSpPr>
         <p:spPr>
           <a:xfrm>
-            <a:off x="2601070" y="2656034"/>
-            <a:ext cx="7547515" cy="1200329"/>
+            <a:off x="1244600" y="2262334"/>
+            <a:ext cx="9804400" cy="1754326"/>
           </a:xfrm>
           <a:prstGeom prst="rect">
             <a:avLst/>
@@ -4883,7 +4884,7 @@
           <a:noFill/>
         </p:spPr>
         <p:txBody>
-          <a:bodyPr wrap="none" rtlCol="0">
+          <a:bodyPr wrap="square" rtlCol="0">
             <a:spAutoFit/>
           </a:bodyPr>
           <a:lstStyle/>
@@ -4902,8 +4903,17 @@
               <a:rPr lang="ru-RU" sz="3600" dirty="0">
                 <a:cs typeface="Times New Roman" panose="02020603050405020304" pitchFamily="18" charset="0"/>
               </a:rPr>
-              <a:t>Графического растрового редактора»</a:t>
-            </a:r>
+              <a:t>Графического растрового </a:t>
+            </a:r>
+            <a:r>
+              <a:rPr lang="ru-RU" sz="3600" dirty="0" smtClean="0">
+                <a:cs typeface="Times New Roman" panose="02020603050405020304" pitchFamily="18" charset="0"/>
+              </a:rPr>
+              <a:t>редактора с функцией Генеративной заливки»</a:t>
+            </a:r>
+            <a:endParaRPr lang="ru-RU" sz="3600" dirty="0">
+              <a:cs typeface="Times New Roman" panose="02020603050405020304" pitchFamily="18" charset="0"/>
+            </a:endParaRPr>
           </a:p>
         </p:txBody>
       </p:sp>
@@ -5477,6 +5487,117 @@
       </p:transition>
     </mc:Fallback>
   </mc:AlternateContent>
+  <p:timing>
+    <p:tnLst>
+      <p:par>
+        <p:cTn id="1" dur="indefinite" restart="never" nodeType="tmRoot"/>
+      </p:par>
+    </p:tnLst>
+  </p:timing>
+</p:sld>
+</file>
+
+<file path=ppt/slides/slide14.xml><?xml version="1.0" encoding="utf-8"?>
+<p:sld xmlns:a="http://schemas.openxmlformats.org/drawingml/2006/main" xmlns:r="http://schemas.openxmlformats.org/officeDocument/2006/relationships" xmlns:p="http://schemas.openxmlformats.org/presentationml/2006/main">
+  <p:cSld>
+    <p:spTree>
+      <p:nvGrpSpPr>
+        <p:cNvPr id="1" name=""/>
+        <p:cNvGrpSpPr/>
+        <p:nvPr/>
+      </p:nvGrpSpPr>
+      <p:grpSpPr>
+        <a:xfrm>
+          <a:off x="0" y="0"/>
+          <a:ext cx="0" cy="0"/>
+          <a:chOff x="0" y="0"/>
+          <a:chExt cx="0" cy="0"/>
+        </a:xfrm>
+      </p:grpSpPr>
+      <p:sp>
+        <p:nvSpPr>
+          <p:cNvPr id="2" name="TextBox 1"/>
+          <p:cNvSpPr txBox="1"/>
+          <p:nvPr/>
+        </p:nvSpPr>
+        <p:spPr>
+          <a:xfrm>
+            <a:off x="3910149" y="2966721"/>
+            <a:ext cx="4959531" cy="646331"/>
+          </a:xfrm>
+          <a:prstGeom prst="rect">
+            <a:avLst/>
+          </a:prstGeom>
+          <a:noFill/>
+        </p:spPr>
+        <p:txBody>
+          <a:bodyPr wrap="square" rtlCol="0">
+            <a:spAutoFit/>
+          </a:bodyPr>
+          <a:lstStyle/>
+          <a:p>
+            <a:r>
+              <a:rPr lang="ru-RU" sz="3600" i="1" dirty="0">
+                <a:cs typeface="Times New Roman" panose="02020603050405020304" pitchFamily="18" charset="0"/>
+              </a:rPr>
+              <a:t>Спасибо за внимание</a:t>
+            </a:r>
+          </a:p>
+        </p:txBody>
+      </p:sp>
+      <p:pic>
+        <p:nvPicPr>
+          <p:cNvPr id="3" name="Рисунок 2"/>
+          <p:cNvPicPr>
+            <a:picLocks noChangeAspect="1"/>
+          </p:cNvPicPr>
+          <p:nvPr/>
+        </p:nvPicPr>
+        <p:blipFill>
+          <a:blip r:embed="rId2"/>
+          <a:stretch>
+            <a:fillRect/>
+          </a:stretch>
+        </p:blipFill>
+        <p:spPr>
+          <a:xfrm>
+            <a:off x="0" y="-2056712"/>
+            <a:ext cx="12194778" cy="16259704"/>
+          </a:xfrm>
+          <a:prstGeom prst="rect">
+            <a:avLst/>
+          </a:prstGeom>
+        </p:spPr>
+      </p:pic>
+    </p:spTree>
+    <p:extLst>
+      <p:ext uri="{BB962C8B-B14F-4D97-AF65-F5344CB8AC3E}">
+        <p14:creationId xmlns:p14="http://schemas.microsoft.com/office/powerpoint/2010/main" val="1561015198"/>
+      </p:ext>
+    </p:extLst>
+  </p:cSld>
+  <p:clrMapOvr>
+    <a:masterClrMapping/>
+  </p:clrMapOvr>
+  <mc:AlternateContent xmlns:mc="http://schemas.openxmlformats.org/markup-compatibility/2006" xmlns:p14="http://schemas.microsoft.com/office/powerpoint/2010/main">
+    <mc:Choice Requires="p14">
+      <p:transition spd="med" p14:dur="700">
+        <p:fade/>
+      </p:transition>
+    </mc:Choice>
+    <mc:Fallback xmlns="">
+      <p:transition spd="med">
+        <p:fade/>
+      </p:transition>
+    </mc:Fallback>
+  </mc:AlternateContent>
+  <p:timing>
+    <p:tnLst>
+      <p:par>
+        <p:cTn id="1" dur="indefinite" restart="never" nodeType="tmRoot"/>
+      </p:par>
+    </p:tnLst>
+  </p:timing>
 </p:sld>
 </file>
 
@@ -5537,7 +5658,7 @@
         <p:spPr>
           <a:xfrm flipH="1">
             <a:off x="148856" y="1752117"/>
-            <a:ext cx="6272264" cy="954107"/>
+            <a:ext cx="9249144" cy="954107"/>
           </a:xfrm>
           <a:prstGeom prst="rect">
             <a:avLst/>
@@ -5552,8 +5673,21 @@
           <a:p>
             <a:r>
               <a:rPr lang="ru-RU" sz="2800" dirty="0"/>
-              <a:t>Простой, удобный графический редактор со стандартными функциями</a:t>
-            </a:r>
+              <a:t>Простой, удобный графический редактор со стандартными </a:t>
+            </a:r>
+            <a:r>
+              <a:rPr lang="ru-RU" sz="2800" dirty="0" smtClean="0"/>
+              <a:t>функциями</a:t>
+            </a:r>
+            <a:r>
+              <a:rPr lang="en-US" sz="2800" dirty="0" smtClean="0"/>
+              <a:t> </a:t>
+            </a:r>
+            <a:r>
+              <a:rPr lang="ru-RU" sz="2800" dirty="0" smtClean="0"/>
+              <a:t>и функцией генеративной заливки</a:t>
+            </a:r>
+            <a:endParaRPr lang="ru-RU" sz="2800" dirty="0"/>
           </a:p>
         </p:txBody>
       </p:sp>
@@ -6640,8 +6774,13 @@
           <a:p>
             <a:r>
               <a:rPr lang="ru-RU" sz="3600" b="1" dirty="0"/>
-              <a:t>Требования редактора</a:t>
-            </a:r>
+              <a:t>Требования </a:t>
+            </a:r>
+            <a:r>
+              <a:rPr lang="ru-RU" sz="3600" b="1" dirty="0" smtClean="0"/>
+              <a:t>нейронной сети</a:t>
+            </a:r>
+            <a:endParaRPr lang="ru-RU" sz="3600" b="1" dirty="0"/>
           </a:p>
         </p:txBody>
       </p:sp>
@@ -7105,8 +7244,13 @@
           <a:p>
             <a:r>
               <a:rPr lang="ru-RU" sz="3600" b="1" dirty="0"/>
-              <a:t>Требования редактора</a:t>
-            </a:r>
+              <a:t>Требования </a:t>
+            </a:r>
+            <a:r>
+              <a:rPr lang="ru-RU" sz="3600" b="1" dirty="0"/>
+              <a:t>нейронной сети</a:t>
+            </a:r>
+            <a:endParaRPr lang="ru-RU" sz="3600" b="1" dirty="0"/>
           </a:p>
         </p:txBody>
       </p:sp>
@@ -7556,8 +7700,13 @@
           <a:p>
             <a:r>
               <a:rPr lang="ru-RU" sz="3600" b="1" dirty="0"/>
-              <a:t>Требования редактора</a:t>
-            </a:r>
+              <a:t>Требования </a:t>
+            </a:r>
+            <a:r>
+              <a:rPr lang="ru-RU" sz="3600" b="1" dirty="0"/>
+              <a:t>нейронной сети</a:t>
+            </a:r>
+            <a:endParaRPr lang="ru-RU" sz="3600" b="1" dirty="0"/>
           </a:p>
         </p:txBody>
       </p:sp>

--- a/HomeWork2/presentation.pptx
+++ b/HomeWork2/presentation.pptx
@@ -5,10 +5,10 @@
     <p:sldMasterId id="2147483660" r:id="rId1"/>
   </p:sldMasterIdLst>
   <p:notesMasterIdLst>
-    <p:notesMasterId r:id="rId16"/>
+    <p:notesMasterId r:id="rId15"/>
   </p:notesMasterIdLst>
   <p:handoutMasterIdLst>
-    <p:handoutMasterId r:id="rId17"/>
+    <p:handoutMasterId r:id="rId16"/>
   </p:handoutMasterIdLst>
   <p:sldIdLst>
     <p:sldId id="257" r:id="rId2"/>
@@ -24,7 +24,6 @@
     <p:sldId id="269" r:id="rId12"/>
     <p:sldId id="278" r:id="rId13"/>
     <p:sldId id="270" r:id="rId14"/>
-    <p:sldId id="279" r:id="rId15"/>
   </p:sldIdLst>
   <p:sldSz cx="12192000" cy="6858000"/>
   <p:notesSz cx="6858000" cy="9144000"/>
@@ -5497,110 +5496,6 @@
 </p:sld>
 </file>
 
-<file path=ppt/slides/slide14.xml><?xml version="1.0" encoding="utf-8"?>
-<p:sld xmlns:a="http://schemas.openxmlformats.org/drawingml/2006/main" xmlns:r="http://schemas.openxmlformats.org/officeDocument/2006/relationships" xmlns:p="http://schemas.openxmlformats.org/presentationml/2006/main">
-  <p:cSld>
-    <p:spTree>
-      <p:nvGrpSpPr>
-        <p:cNvPr id="1" name=""/>
-        <p:cNvGrpSpPr/>
-        <p:nvPr/>
-      </p:nvGrpSpPr>
-      <p:grpSpPr>
-        <a:xfrm>
-          <a:off x="0" y="0"/>
-          <a:ext cx="0" cy="0"/>
-          <a:chOff x="0" y="0"/>
-          <a:chExt cx="0" cy="0"/>
-        </a:xfrm>
-      </p:grpSpPr>
-      <p:sp>
-        <p:nvSpPr>
-          <p:cNvPr id="2" name="TextBox 1"/>
-          <p:cNvSpPr txBox="1"/>
-          <p:nvPr/>
-        </p:nvSpPr>
-        <p:spPr>
-          <a:xfrm>
-            <a:off x="3910149" y="2966721"/>
-            <a:ext cx="4959531" cy="646331"/>
-          </a:xfrm>
-          <a:prstGeom prst="rect">
-            <a:avLst/>
-          </a:prstGeom>
-          <a:noFill/>
-        </p:spPr>
-        <p:txBody>
-          <a:bodyPr wrap="square" rtlCol="0">
-            <a:spAutoFit/>
-          </a:bodyPr>
-          <a:lstStyle/>
-          <a:p>
-            <a:r>
-              <a:rPr lang="ru-RU" sz="3600" i="1" dirty="0">
-                <a:cs typeface="Times New Roman" panose="02020603050405020304" pitchFamily="18" charset="0"/>
-              </a:rPr>
-              <a:t>Спасибо за внимание</a:t>
-            </a:r>
-          </a:p>
-        </p:txBody>
-      </p:sp>
-      <p:pic>
-        <p:nvPicPr>
-          <p:cNvPr id="3" name="Рисунок 2"/>
-          <p:cNvPicPr>
-            <a:picLocks noChangeAspect="1"/>
-          </p:cNvPicPr>
-          <p:nvPr/>
-        </p:nvPicPr>
-        <p:blipFill>
-          <a:blip r:embed="rId2"/>
-          <a:stretch>
-            <a:fillRect/>
-          </a:stretch>
-        </p:blipFill>
-        <p:spPr>
-          <a:xfrm>
-            <a:off x="0" y="-2056712"/>
-            <a:ext cx="12194778" cy="16259704"/>
-          </a:xfrm>
-          <a:prstGeom prst="rect">
-            <a:avLst/>
-          </a:prstGeom>
-        </p:spPr>
-      </p:pic>
-    </p:spTree>
-    <p:extLst>
-      <p:ext uri="{BB962C8B-B14F-4D97-AF65-F5344CB8AC3E}">
-        <p14:creationId xmlns:p14="http://schemas.microsoft.com/office/powerpoint/2010/main" val="1561015198"/>
-      </p:ext>
-    </p:extLst>
-  </p:cSld>
-  <p:clrMapOvr>
-    <a:masterClrMapping/>
-  </p:clrMapOvr>
-  <mc:AlternateContent xmlns:mc="http://schemas.openxmlformats.org/markup-compatibility/2006" xmlns:p14="http://schemas.microsoft.com/office/powerpoint/2010/main">
-    <mc:Choice Requires="p14">
-      <p:transition spd="med" p14:dur="700">
-        <p:fade/>
-      </p:transition>
-    </mc:Choice>
-    <mc:Fallback xmlns="">
-      <p:transition spd="med">
-        <p:fade/>
-      </p:transition>
-    </mc:Fallback>
-  </mc:AlternateContent>
-  <p:timing>
-    <p:tnLst>
-      <p:par>
-        <p:cTn id="1" dur="indefinite" restart="never" nodeType="tmRoot"/>
-      </p:par>
-    </p:tnLst>
-  </p:timing>
-</p:sld>
-</file>
-
 <file path=ppt/slides/slide2.xml><?xml version="1.0" encoding="utf-8"?>
 <p:sld xmlns:a="http://schemas.openxmlformats.org/drawingml/2006/main" xmlns:r="http://schemas.openxmlformats.org/officeDocument/2006/relationships" xmlns:p="http://schemas.openxmlformats.org/presentationml/2006/main">
   <p:cSld>
@@ -7244,13 +7139,8 @@
           <a:p>
             <a:r>
               <a:rPr lang="ru-RU" sz="3600" b="1" dirty="0"/>
-              <a:t>Требования </a:t>
-            </a:r>
-            <a:r>
-              <a:rPr lang="ru-RU" sz="3600" b="1" dirty="0"/>
-              <a:t>нейронной сети</a:t>
-            </a:r>
-            <a:endParaRPr lang="ru-RU" sz="3600" b="1" dirty="0"/>
+              <a:t>Требования нейронной сети</a:t>
+            </a:r>
           </a:p>
         </p:txBody>
       </p:sp>
@@ -7700,13 +7590,8 @@
           <a:p>
             <a:r>
               <a:rPr lang="ru-RU" sz="3600" b="1" dirty="0"/>
-              <a:t>Требования </a:t>
-            </a:r>
-            <a:r>
-              <a:rPr lang="ru-RU" sz="3600" b="1" dirty="0"/>
-              <a:t>нейронной сети</a:t>
-            </a:r>
-            <a:endParaRPr lang="ru-RU" sz="3600" b="1" dirty="0"/>
+              <a:t>Требования нейронной сети</a:t>
+            </a:r>
           </a:p>
         </p:txBody>
       </p:sp>
